--- a/building-ai-applications/ready/06__AgenticOnBedrock.pptx
+++ b/building-ai-applications/ready/06__AgenticOnBedrock.pptx
@@ -5,36 +5,36 @@
     <p:sldMasterId id="2147483651" r:id="rId1"/>
   </p:sldMasterIdLst>
   <p:notesMasterIdLst>
-    <p:notesMasterId r:id="rId2"/>
+    <p:notesMasterId r:id="rId26"/>
   </p:notesMasterIdLst>
   <p:handoutMasterIdLst>
-    <p:handoutMasterId r:id="rId3"/>
+    <p:handoutMasterId r:id="rId27"/>
   </p:handoutMasterIdLst>
   <p:sldIdLst>
-    <p:sldId id="256" r:id="rId9"/>
-    <p:sldId id="257" r:id="rId10"/>
-    <p:sldId id="258" r:id="rId11"/>
-    <p:sldId id="259" r:id="rId12"/>
-    <p:sldId id="260" r:id="rId13"/>
-    <p:sldId id="261" r:id="rId14"/>
-    <p:sldId id="262" r:id="rId15"/>
-    <p:sldId id="263" r:id="rId16"/>
-    <p:sldId id="264" r:id="rId17"/>
-    <p:sldId id="265" r:id="rId18"/>
-    <p:sldId id="266" r:id="rId19"/>
-    <p:sldId id="267" r:id="rId20"/>
-    <p:sldId id="268" r:id="rId21"/>
-    <p:sldId id="269" r:id="rId22"/>
-    <p:sldId id="270" r:id="rId23"/>
-    <p:sldId id="271" r:id="rId24"/>
-    <p:sldId id="272" r:id="rId25"/>
-    <p:sldId id="273" r:id="rId26"/>
-    <p:sldId id="274" r:id="rId27"/>
-    <p:sldId id="275" r:id="rId28"/>
-    <p:sldId id="276" r:id="rId29"/>
-    <p:sldId id="277" r:id="rId30"/>
-    <p:sldId id="278" r:id="rId31"/>
-    <p:sldId id="279" r:id="rId32"/>
+    <p:sldId id="256" r:id="rId2"/>
+    <p:sldId id="257" r:id="rId3"/>
+    <p:sldId id="258" r:id="rId4"/>
+    <p:sldId id="259" r:id="rId5"/>
+    <p:sldId id="260" r:id="rId6"/>
+    <p:sldId id="261" r:id="rId7"/>
+    <p:sldId id="262" r:id="rId8"/>
+    <p:sldId id="263" r:id="rId9"/>
+    <p:sldId id="264" r:id="rId10"/>
+    <p:sldId id="265" r:id="rId11"/>
+    <p:sldId id="266" r:id="rId12"/>
+    <p:sldId id="267" r:id="rId13"/>
+    <p:sldId id="268" r:id="rId14"/>
+    <p:sldId id="269" r:id="rId15"/>
+    <p:sldId id="270" r:id="rId16"/>
+    <p:sldId id="271" r:id="rId17"/>
+    <p:sldId id="272" r:id="rId18"/>
+    <p:sldId id="273" r:id="rId19"/>
+    <p:sldId id="274" r:id="rId20"/>
+    <p:sldId id="275" r:id="rId21"/>
+    <p:sldId id="276" r:id="rId22"/>
+    <p:sldId id="277" r:id="rId23"/>
+    <p:sldId id="278" r:id="rId24"/>
+    <p:sldId id="279" r:id="rId25"/>
   </p:sldIdLst>
   <p:sldSz cx="9372600" cy="8297863"/>
   <p:notesSz cx="7315200" cy="9601200"/>
@@ -202,9 +202,7 @@
   <p:cmAuthor id="2" name="Mark Kerzner" initials="MK" lastIdx="6" clrIdx="1"/>
   <p:cmAuthor id="3" name="Mary Beth Conlee" initials="MBC" lastIdx="7" clrIdx="2"/>
   <p:cmAuthor id="4" name="Michelle" initials="M" lastIdx="5" clrIdx="3"/>
-  <p:cmAuthor id="5" name="Tricia Murphy" initials="TM" lastIdx="4" clrIdx="4">
-    <p:extLst/>
-  </p:cmAuthor>
+  <p:cmAuthor id="5" name="Tricia Murphy" initials="TM" lastIdx="4" clrIdx="4"/>
 </p:cmAuthorLst>
 </file>
 
@@ -2287,7 +2285,7 @@
 </file>
 
 <file path=ppt/slides/slide1.xml><?xml version="1.0" encoding="utf-8"?>
-<p:sld xmlns:a="http://schemas.openxmlformats.org/drawingml/2006/main" xmlns:p="http://schemas.openxmlformats.org/presentationml/2006/main" xmlns:r="http://schemas.openxmlformats.org/officeDocument/2006/relationships">
+<p:sld xmlns:a="http://schemas.openxmlformats.org/drawingml/2006/main" xmlns:r="http://schemas.openxmlformats.org/officeDocument/2006/relationships" xmlns:p="http://schemas.openxmlformats.org/presentationml/2006/main">
   <p:cSld>
     <p:spTree>
       <p:nvGrpSpPr>
@@ -2295,7 +2293,14 @@
         <p:cNvGrpSpPr/>
         <p:nvPr/>
       </p:nvGrpSpPr>
-      <p:grpSpPr/>
+      <p:grpSpPr>
+        <a:xfrm>
+          <a:off x="0" y="0"/>
+          <a:ext cx="0" cy="0"/>
+          <a:chOff x="0" y="0"/>
+          <a:chExt cx="0" cy="0"/>
+        </a:xfrm>
+      </p:grpSpPr>
       <p:sp>
         <p:nvSpPr>
           <p:cNvPr id="2" name="Subtitle 1"/>
@@ -2303,7 +2308,7 @@
             <a:spLocks noGrp="1"/>
           </p:cNvSpPr>
           <p:nvPr>
-            <p:ph type="subTitle" idx="1" sz="quarter"/>
+            <p:ph type="subTitle" sz="quarter" idx="1"/>
           </p:nvPr>
         </p:nvSpPr>
         <p:spPr/>
@@ -2363,9 +2368,6 @@
               </a:rPr>
               <a:t>Your First Agent with Amazon Bedrock</a:t>
             </a:r>
-            <a:endParaRPr sz="4200" b="1" i="0">
-              <a:latin typeface="Times New Roman"/>
-            </a:endParaRPr>
           </a:p>
         </p:txBody>
       </p:sp>
@@ -2411,7 +2413,7 @@
 </file>
 
 <file path=ppt/slides/slide10.xml><?xml version="1.0" encoding="utf-8"?>
-<p:sld xmlns:a="http://schemas.openxmlformats.org/drawingml/2006/main" xmlns:p="http://schemas.openxmlformats.org/presentationml/2006/main" xmlns:r="http://schemas.openxmlformats.org/officeDocument/2006/relationships">
+<p:sld xmlns:a="http://schemas.openxmlformats.org/drawingml/2006/main" xmlns:r="http://schemas.openxmlformats.org/officeDocument/2006/relationships" xmlns:p="http://schemas.openxmlformats.org/presentationml/2006/main">
   <p:cSld>
     <p:spTree>
       <p:nvGrpSpPr>
@@ -2419,7 +2421,14 @@
         <p:cNvGrpSpPr/>
         <p:nvPr/>
       </p:nvGrpSpPr>
-      <p:grpSpPr/>
+      <p:grpSpPr>
+        <a:xfrm>
+          <a:off x="0" y="0"/>
+          <a:ext cx="0" cy="0"/>
+          <a:chOff x="0" y="0"/>
+          <a:chExt cx="0" cy="0"/>
+        </a:xfrm>
+      </p:grpSpPr>
       <p:sp>
         <p:nvSpPr>
           <p:cNvPr id="2" name="Title 1"/>
@@ -2509,7 +2518,7 @@
 </file>
 
 <file path=ppt/slides/slide11.xml><?xml version="1.0" encoding="utf-8"?>
-<p:sld xmlns:a="http://schemas.openxmlformats.org/drawingml/2006/main" xmlns:p="http://schemas.openxmlformats.org/presentationml/2006/main" xmlns:r="http://schemas.openxmlformats.org/officeDocument/2006/relationships">
+<p:sld xmlns:a="http://schemas.openxmlformats.org/drawingml/2006/main" xmlns:r="http://schemas.openxmlformats.org/officeDocument/2006/relationships" xmlns:p="http://schemas.openxmlformats.org/presentationml/2006/main">
   <p:cSld>
     <p:spTree>
       <p:nvGrpSpPr>
@@ -2517,7 +2526,14 @@
         <p:cNvGrpSpPr/>
         <p:nvPr/>
       </p:nvGrpSpPr>
-      <p:grpSpPr/>
+      <p:grpSpPr>
+        <a:xfrm>
+          <a:off x="0" y="0"/>
+          <a:ext cx="0" cy="0"/>
+          <a:chOff x="0" y="0"/>
+          <a:chExt cx="0" cy="0"/>
+        </a:xfrm>
+      </p:grpSpPr>
       <p:sp>
         <p:nvSpPr>
           <p:cNvPr id="2" name="Title 1"/>
@@ -2607,7 +2623,7 @@
 </file>
 
 <file path=ppt/slides/slide12.xml><?xml version="1.0" encoding="utf-8"?>
-<p:sld xmlns:a="http://schemas.openxmlformats.org/drawingml/2006/main" xmlns:p="http://schemas.openxmlformats.org/presentationml/2006/main" xmlns:r="http://schemas.openxmlformats.org/officeDocument/2006/relationships">
+<p:sld xmlns:a="http://schemas.openxmlformats.org/drawingml/2006/main" xmlns:r="http://schemas.openxmlformats.org/officeDocument/2006/relationships" xmlns:p="http://schemas.openxmlformats.org/presentationml/2006/main">
   <p:cSld>
     <p:spTree>
       <p:nvGrpSpPr>
@@ -2615,7 +2631,14 @@
         <p:cNvGrpSpPr/>
         <p:nvPr/>
       </p:nvGrpSpPr>
-      <p:grpSpPr/>
+      <p:grpSpPr>
+        <a:xfrm>
+          <a:off x="0" y="0"/>
+          <a:ext cx="0" cy="0"/>
+          <a:chOff x="0" y="0"/>
+          <a:chExt cx="0" cy="0"/>
+        </a:xfrm>
+      </p:grpSpPr>
       <p:sp>
         <p:nvSpPr>
           <p:cNvPr id="2" name="Subtitle 1"/>
@@ -2623,7 +2646,7 @@
             <a:spLocks noGrp="1"/>
           </p:cNvSpPr>
           <p:nvPr>
-            <p:ph type="subTitle" idx="1" sz="quarter"/>
+            <p:ph type="subTitle" sz="quarter" idx="1"/>
           </p:nvPr>
         </p:nvSpPr>
         <p:spPr/>
@@ -2636,10 +2659,7 @@
             </a:pPr>
             <a:r>
               <a:t>Setup
-</a:t>
-            </a:r>
-            <a:r>
-              <a:t>Connecting Your Agent to a CRM
+Connecting Your Agent to a CRM
 </a:t>
             </a:r>
             <a:r>
@@ -2649,10 +2669,7 @@
             </a:r>
             <a:r>
               <a:t>Guardrails for Your Agent
-</a:t>
-            </a:r>
-            <a:r>
-              <a:t>Using a Knowledge Base
+Using a Knowledge Base
 </a:t>
             </a:r>
           </a:p>
@@ -2681,9 +2698,6 @@
               </a:rPr>
               <a:t>Adding Calculations</a:t>
             </a:r>
-            <a:endParaRPr sz="4200" b="1" i="0">
-              <a:latin typeface="Times New Roman"/>
-            </a:endParaRPr>
           </a:p>
         </p:txBody>
       </p:sp>
@@ -2729,7 +2743,7 @@
 </file>
 
 <file path=ppt/slides/slide13.xml><?xml version="1.0" encoding="utf-8"?>
-<p:sld xmlns:a="http://schemas.openxmlformats.org/drawingml/2006/main" xmlns:p="http://schemas.openxmlformats.org/presentationml/2006/main" xmlns:r="http://schemas.openxmlformats.org/officeDocument/2006/relationships">
+<p:sld xmlns:a="http://schemas.openxmlformats.org/drawingml/2006/main" xmlns:r="http://schemas.openxmlformats.org/officeDocument/2006/relationships" xmlns:p="http://schemas.openxmlformats.org/presentationml/2006/main">
   <p:cSld>
     <p:spTree>
       <p:nvGrpSpPr>
@@ -2737,7 +2751,14 @@
         <p:cNvGrpSpPr/>
         <p:nvPr/>
       </p:nvGrpSpPr>
-      <p:grpSpPr/>
+      <p:grpSpPr>
+        <a:xfrm>
+          <a:off x="0" y="0"/>
+          <a:ext cx="0" cy="0"/>
+          <a:chOff x="0" y="0"/>
+          <a:chExt cx="0" cy="0"/>
+        </a:xfrm>
+      </p:grpSpPr>
       <p:sp>
         <p:nvSpPr>
           <p:cNvPr id="2" name="Title 1"/>
@@ -2827,7 +2848,7 @@
 </file>
 
 <file path=ppt/slides/slide14.xml><?xml version="1.0" encoding="utf-8"?>
-<p:sld xmlns:a="http://schemas.openxmlformats.org/drawingml/2006/main" xmlns:p="http://schemas.openxmlformats.org/presentationml/2006/main" xmlns:r="http://schemas.openxmlformats.org/officeDocument/2006/relationships">
+<p:sld xmlns:a="http://schemas.openxmlformats.org/drawingml/2006/main" xmlns:r="http://schemas.openxmlformats.org/officeDocument/2006/relationships" xmlns:p="http://schemas.openxmlformats.org/presentationml/2006/main">
   <p:cSld>
     <p:spTree>
       <p:nvGrpSpPr>
@@ -2835,7 +2856,14 @@
         <p:cNvGrpSpPr/>
         <p:nvPr/>
       </p:nvGrpSpPr>
-      <p:grpSpPr/>
+      <p:grpSpPr>
+        <a:xfrm>
+          <a:off x="0" y="0"/>
+          <a:ext cx="0" cy="0"/>
+          <a:chOff x="0" y="0"/>
+          <a:chExt cx="0" cy="0"/>
+        </a:xfrm>
+      </p:grpSpPr>
       <p:sp>
         <p:nvSpPr>
           <p:cNvPr id="2" name="Title 1"/>
@@ -2873,20 +2901,50 @@
           <a:lstStyle/>
           <a:p>
             <a:r>
+              <a:rPr dirty="0"/>
               <a:t> Add a new action group for the Code Interpreter:</a:t>
             </a:r>
-          </a:p>
-          <a:p/>
-          <a:p/>
-          <a:p/>
-          <a:p>
-            <a:r>
-              <a:t> Observe the agent write and execute code:</a:t>
-            </a:r>
-          </a:p>
-          <a:p/>
-          <a:p/>
-          <a:p/>
+            <a:endParaRPr lang="en-US" dirty="0"/>
+          </a:p>
+          <a:p>
+            <a:endParaRPr lang="en-US" dirty="0"/>
+          </a:p>
+          <a:p>
+            <a:endParaRPr lang="en-US" dirty="0"/>
+          </a:p>
+          <a:p>
+            <a:endParaRPr lang="en-US" dirty="0"/>
+          </a:p>
+          <a:p>
+            <a:endParaRPr lang="en-US" dirty="0"/>
+          </a:p>
+          <a:p>
+            <a:endParaRPr lang="en-US" dirty="0"/>
+          </a:p>
+          <a:p>
+            <a:pPr marL="0" indent="0">
+              <a:buNone/>
+            </a:pPr>
+            <a:endParaRPr lang="en-US" dirty="0"/>
+          </a:p>
+          <a:p>
+            <a:pPr marL="0" indent="0">
+              <a:buNone/>
+            </a:pPr>
+            <a:r>
+              <a:rPr dirty="0"/>
+              <a:t>Observe the agent write and execute code:</a:t>
+            </a:r>
+          </a:p>
+          <a:p>
+            <a:endParaRPr dirty="0"/>
+          </a:p>
+          <a:p>
+            <a:endParaRPr dirty="0"/>
+          </a:p>
+          <a:p>
+            <a:endParaRPr dirty="0"/>
+          </a:p>
         </p:txBody>
       </p:sp>
       <p:sp>
@@ -2938,8 +2996,8 @@
         </p:blipFill>
         <p:spPr>
           <a:xfrm>
-            <a:off x="0" y="1353312"/>
-            <a:ext cx="10312400" cy="1854200"/>
+            <a:off x="-28575" y="1793332"/>
+            <a:ext cx="9401175" cy="1690359"/>
           </a:xfrm>
           <a:prstGeom prst="rect">
             <a:avLst/>
@@ -2962,7 +3020,7 @@
         </p:blipFill>
         <p:spPr>
           <a:xfrm>
-            <a:off x="0" y="3108960"/>
+            <a:off x="0" y="4987131"/>
             <a:ext cx="8636000" cy="2120900"/>
           </a:xfrm>
           <a:prstGeom prst="rect">
@@ -2979,7 +3037,7 @@
 </file>
 
 <file path=ppt/slides/slide15.xml><?xml version="1.0" encoding="utf-8"?>
-<p:sld xmlns:a="http://schemas.openxmlformats.org/drawingml/2006/main" xmlns:p="http://schemas.openxmlformats.org/presentationml/2006/main" xmlns:r="http://schemas.openxmlformats.org/officeDocument/2006/relationships">
+<p:sld xmlns:a="http://schemas.openxmlformats.org/drawingml/2006/main" xmlns:r="http://schemas.openxmlformats.org/officeDocument/2006/relationships" xmlns:p="http://schemas.openxmlformats.org/presentationml/2006/main">
   <p:cSld>
     <p:spTree>
       <p:nvGrpSpPr>
@@ -2987,7 +3045,14 @@
         <p:cNvGrpSpPr/>
         <p:nvPr/>
       </p:nvGrpSpPr>
-      <p:grpSpPr/>
+      <p:grpSpPr>
+        <a:xfrm>
+          <a:off x="0" y="0"/>
+          <a:ext cx="0" cy="0"/>
+          <a:chOff x="0" y="0"/>
+          <a:chExt cx="0" cy="0"/>
+        </a:xfrm>
+      </p:grpSpPr>
       <p:sp>
         <p:nvSpPr>
           <p:cNvPr id="2" name="Title 1"/>
@@ -3077,7 +3142,7 @@
 </file>
 
 <file path=ppt/slides/slide16.xml><?xml version="1.0" encoding="utf-8"?>
-<p:sld xmlns:a="http://schemas.openxmlformats.org/drawingml/2006/main" xmlns:p="http://schemas.openxmlformats.org/presentationml/2006/main" xmlns:r="http://schemas.openxmlformats.org/officeDocument/2006/relationships">
+<p:sld xmlns:a="http://schemas.openxmlformats.org/drawingml/2006/main" xmlns:r="http://schemas.openxmlformats.org/officeDocument/2006/relationships" xmlns:p="http://schemas.openxmlformats.org/presentationml/2006/main">
   <p:cSld>
     <p:spTree>
       <p:nvGrpSpPr>
@@ -3085,7 +3150,14 @@
         <p:cNvGrpSpPr/>
         <p:nvPr/>
       </p:nvGrpSpPr>
-      <p:grpSpPr/>
+      <p:grpSpPr>
+        <a:xfrm>
+          <a:off x="0" y="0"/>
+          <a:ext cx="0" cy="0"/>
+          <a:chOff x="0" y="0"/>
+          <a:chExt cx="0" cy="0"/>
+        </a:xfrm>
+      </p:grpSpPr>
       <p:sp>
         <p:nvSpPr>
           <p:cNvPr id="2" name="Subtitle 1"/>
@@ -3093,7 +3165,7 @@
             <a:spLocks noGrp="1"/>
           </p:cNvSpPr>
           <p:nvPr>
-            <p:ph type="subTitle" idx="1" sz="quarter"/>
+            <p:ph type="subTitle" sz="quarter" idx="1"/>
           </p:nvPr>
         </p:nvSpPr>
         <p:spPr/>
@@ -3106,14 +3178,8 @@
             </a:pPr>
             <a:r>
               <a:t>Setup
-</a:t>
-            </a:r>
-            <a:r>
-              <a:t>Connecting Your Agent to a CRM
-</a:t>
-            </a:r>
-            <a:r>
-              <a:t>Adding Calculations
+Connecting Your Agent to a CRM
+Adding Calculations
 </a:t>
             </a:r>
             <a:r>
@@ -3151,9 +3217,6 @@
               </a:rPr>
               <a:t>Guardrails for Your Agent</a:t>
             </a:r>
-            <a:endParaRPr sz="4200" b="1" i="0">
-              <a:latin typeface="Times New Roman"/>
-            </a:endParaRPr>
           </a:p>
         </p:txBody>
       </p:sp>
@@ -3199,7 +3262,7 @@
 </file>
 
 <file path=ppt/slides/slide17.xml><?xml version="1.0" encoding="utf-8"?>
-<p:sld xmlns:a="http://schemas.openxmlformats.org/drawingml/2006/main" xmlns:p="http://schemas.openxmlformats.org/presentationml/2006/main" xmlns:r="http://schemas.openxmlformats.org/officeDocument/2006/relationships">
+<p:sld xmlns:a="http://schemas.openxmlformats.org/drawingml/2006/main" xmlns:r="http://schemas.openxmlformats.org/officeDocument/2006/relationships" xmlns:p="http://schemas.openxmlformats.org/presentationml/2006/main">
   <p:cSld>
     <p:spTree>
       <p:nvGrpSpPr>
@@ -3207,7 +3270,14 @@
         <p:cNvGrpSpPr/>
         <p:nvPr/>
       </p:nvGrpSpPr>
-      <p:grpSpPr/>
+      <p:grpSpPr>
+        <a:xfrm>
+          <a:off x="0" y="0"/>
+          <a:ext cx="0" cy="0"/>
+          <a:chOff x="0" y="0"/>
+          <a:chExt cx="0" cy="0"/>
+        </a:xfrm>
+      </p:grpSpPr>
       <p:sp>
         <p:nvSpPr>
           <p:cNvPr id="2" name="Title 1"/>
@@ -3297,7 +3367,7 @@
 </file>
 
 <file path=ppt/slides/slide18.xml><?xml version="1.0" encoding="utf-8"?>
-<p:sld xmlns:a="http://schemas.openxmlformats.org/drawingml/2006/main" xmlns:p="http://schemas.openxmlformats.org/presentationml/2006/main" xmlns:r="http://schemas.openxmlformats.org/officeDocument/2006/relationships">
+<p:sld xmlns:a="http://schemas.openxmlformats.org/drawingml/2006/main" xmlns:r="http://schemas.openxmlformats.org/officeDocument/2006/relationships" xmlns:p="http://schemas.openxmlformats.org/presentationml/2006/main">
   <p:cSld>
     <p:spTree>
       <p:nvGrpSpPr>
@@ -3305,7 +3375,14 @@
         <p:cNvGrpSpPr/>
         <p:nvPr/>
       </p:nvGrpSpPr>
-      <p:grpSpPr/>
+      <p:grpSpPr>
+        <a:xfrm>
+          <a:off x="0" y="0"/>
+          <a:ext cx="0" cy="0"/>
+          <a:chOff x="0" y="0"/>
+          <a:chExt cx="0" cy="0"/>
+        </a:xfrm>
+      </p:grpSpPr>
       <p:sp>
         <p:nvSpPr>
           <p:cNvPr id="2" name="Title 1"/>
@@ -3343,23 +3420,56 @@
           <a:lstStyle/>
           <a:p>
             <a:r>
+              <a:rPr dirty="0"/>
               <a:t> Define topic and content policies:</a:t>
             </a:r>
           </a:p>
-          <a:p/>
-          <a:p/>
-          <a:p/>
-          <a:p/>
-          <a:p/>
-          <a:p/>
-          <a:p>
-            <a:r>
-              <a:t> Connect the guardrail to your agent:</a:t>
-            </a:r>
-          </a:p>
-          <a:p/>
-          <a:p/>
-          <a:p/>
+          <a:p>
+            <a:endParaRPr dirty="0"/>
+          </a:p>
+          <a:p>
+            <a:endParaRPr dirty="0"/>
+          </a:p>
+          <a:p>
+            <a:endParaRPr dirty="0"/>
+          </a:p>
+          <a:p>
+            <a:endParaRPr dirty="0"/>
+          </a:p>
+          <a:p>
+            <a:endParaRPr dirty="0"/>
+          </a:p>
+          <a:p>
+            <a:endParaRPr dirty="0"/>
+          </a:p>
+          <a:p>
+            <a:r>
+              <a:rPr dirty="0"/>
+              <a:t> </a:t>
+            </a:r>
+            <a:endParaRPr lang="en-US" dirty="0"/>
+          </a:p>
+          <a:p>
+            <a:endParaRPr lang="en-US" dirty="0"/>
+          </a:p>
+          <a:p>
+            <a:endParaRPr lang="en-US" dirty="0"/>
+          </a:p>
+          <a:p>
+            <a:r>
+              <a:rPr dirty="0"/>
+              <a:t>Connect the guardrail to your agent:</a:t>
+            </a:r>
+          </a:p>
+          <a:p>
+            <a:endParaRPr dirty="0"/>
+          </a:p>
+          <a:p>
+            <a:endParaRPr dirty="0"/>
+          </a:p>
+          <a:p>
+            <a:endParaRPr dirty="0"/>
+          </a:p>
         </p:txBody>
       </p:sp>
       <p:sp>
@@ -3411,8 +3521,8 @@
         </p:blipFill>
         <p:spPr>
           <a:xfrm>
-            <a:off x="0" y="1353312"/>
-            <a:ext cx="11684000" cy="4521200"/>
+            <a:off x="234950" y="1609038"/>
+            <a:ext cx="9137650" cy="3535873"/>
           </a:xfrm>
           <a:prstGeom prst="rect">
             <a:avLst/>
@@ -3435,7 +3545,7 @@
         </p:blipFill>
         <p:spPr>
           <a:xfrm>
-            <a:off x="0" y="4425696"/>
+            <a:off x="234950" y="5872270"/>
             <a:ext cx="7569200" cy="2120900"/>
           </a:xfrm>
           <a:prstGeom prst="rect">
@@ -3452,7 +3562,7 @@
 </file>
 
 <file path=ppt/slides/slide19.xml><?xml version="1.0" encoding="utf-8"?>
-<p:sld xmlns:a="http://schemas.openxmlformats.org/drawingml/2006/main" xmlns:p="http://schemas.openxmlformats.org/presentationml/2006/main" xmlns:r="http://schemas.openxmlformats.org/officeDocument/2006/relationships">
+<p:sld xmlns:a="http://schemas.openxmlformats.org/drawingml/2006/main" xmlns:r="http://schemas.openxmlformats.org/officeDocument/2006/relationships" xmlns:p="http://schemas.openxmlformats.org/presentationml/2006/main">
   <p:cSld>
     <p:spTree>
       <p:nvGrpSpPr>
@@ -3460,7 +3570,14 @@
         <p:cNvGrpSpPr/>
         <p:nvPr/>
       </p:nvGrpSpPr>
-      <p:grpSpPr/>
+      <p:grpSpPr>
+        <a:xfrm>
+          <a:off x="0" y="0"/>
+          <a:ext cx="0" cy="0"/>
+          <a:chOff x="0" y="0"/>
+          <a:chExt cx="0" cy="0"/>
+        </a:xfrm>
+      </p:grpSpPr>
       <p:sp>
         <p:nvSpPr>
           <p:cNvPr id="2" name="Title 1"/>
@@ -3550,7 +3667,7 @@
 </file>
 
 <file path=ppt/slides/slide2.xml><?xml version="1.0" encoding="utf-8"?>
-<p:sld xmlns:a="http://schemas.openxmlformats.org/drawingml/2006/main" xmlns:p="http://schemas.openxmlformats.org/presentationml/2006/main" xmlns:r="http://schemas.openxmlformats.org/officeDocument/2006/relationships">
+<p:sld xmlns:a="http://schemas.openxmlformats.org/drawingml/2006/main" xmlns:r="http://schemas.openxmlformats.org/officeDocument/2006/relationships" xmlns:p="http://schemas.openxmlformats.org/presentationml/2006/main">
   <p:cSld>
     <p:spTree>
       <p:nvGrpSpPr>
@@ -3558,7 +3675,14 @@
         <p:cNvGrpSpPr/>
         <p:nvPr/>
       </p:nvGrpSpPr>
-      <p:grpSpPr/>
+      <p:grpSpPr>
+        <a:xfrm>
+          <a:off x="0" y="0"/>
+          <a:ext cx="0" cy="0"/>
+          <a:chOff x="0" y="0"/>
+          <a:chExt cx="0" cy="0"/>
+        </a:xfrm>
+      </p:grpSpPr>
       <p:sp>
         <p:nvSpPr>
           <p:cNvPr id="2" name="Subtitle 1"/>
@@ -3566,7 +3690,7 @@
             <a:spLocks noGrp="1"/>
           </p:cNvSpPr>
           <p:nvPr>
-            <p:ph type="subTitle" idx="1" sz="quarter"/>
+            <p:ph type="subTitle" sz="quarter" idx="1"/>
           </p:nvPr>
         </p:nvSpPr>
         <p:spPr/>
@@ -3584,18 +3708,9 @@
             </a:r>
             <a:r>
               <a:t>Connecting Your Agent to a CRM
-</a:t>
-            </a:r>
-            <a:r>
-              <a:t>Adding Calculations
-</a:t>
-            </a:r>
-            <a:r>
-              <a:t>Guardrails for Your Agent
-</a:t>
-            </a:r>
-            <a:r>
-              <a:t>Using a Knowledge Base
+Adding Calculations
+Guardrails for Your Agent
+Using a Knowledge Base
 </a:t>
             </a:r>
           </a:p>
@@ -3624,9 +3739,6 @@
               </a:rPr>
               <a:t>Setup</a:t>
             </a:r>
-            <a:endParaRPr sz="4200" b="1" i="0">
-              <a:latin typeface="Times New Roman"/>
-            </a:endParaRPr>
           </a:p>
         </p:txBody>
       </p:sp>
@@ -3672,7 +3784,7 @@
 </file>
 
 <file path=ppt/slides/slide20.xml><?xml version="1.0" encoding="utf-8"?>
-<p:sld xmlns:a="http://schemas.openxmlformats.org/drawingml/2006/main" xmlns:p="http://schemas.openxmlformats.org/presentationml/2006/main" xmlns:r="http://schemas.openxmlformats.org/officeDocument/2006/relationships">
+<p:sld xmlns:a="http://schemas.openxmlformats.org/drawingml/2006/main" xmlns:r="http://schemas.openxmlformats.org/officeDocument/2006/relationships" xmlns:p="http://schemas.openxmlformats.org/presentationml/2006/main">
   <p:cSld>
     <p:spTree>
       <p:nvGrpSpPr>
@@ -3680,7 +3792,14 @@
         <p:cNvGrpSpPr/>
         <p:nvPr/>
       </p:nvGrpSpPr>
-      <p:grpSpPr/>
+      <p:grpSpPr>
+        <a:xfrm>
+          <a:off x="0" y="0"/>
+          <a:ext cx="0" cy="0"/>
+          <a:chOff x="0" y="0"/>
+          <a:chExt cx="0" cy="0"/>
+        </a:xfrm>
+      </p:grpSpPr>
       <p:sp>
         <p:nvSpPr>
           <p:cNvPr id="2" name="Subtitle 1"/>
@@ -3688,7 +3807,7 @@
             <a:spLocks noGrp="1"/>
           </p:cNvSpPr>
           <p:nvPr>
-            <p:ph type="subTitle" idx="1" sz="quarter"/>
+            <p:ph type="subTitle" sz="quarter" idx="1"/>
           </p:nvPr>
         </p:nvSpPr>
         <p:spPr/>
@@ -3701,18 +3820,9 @@
             </a:pPr>
             <a:r>
               <a:t>Setup
-</a:t>
-            </a:r>
-            <a:r>
-              <a:t>Connecting Your Agent to a CRM
-</a:t>
-            </a:r>
-            <a:r>
-              <a:t>Adding Calculations
-</a:t>
-            </a:r>
-            <a:r>
-              <a:t>Guardrails for Your Agent
+Connecting Your Agent to a CRM
+Adding Calculations
+Guardrails for Your Agent
 </a:t>
             </a:r>
             <a:r>
@@ -3746,9 +3856,6 @@
               </a:rPr>
               <a:t>Using a Knowledge Base</a:t>
             </a:r>
-            <a:endParaRPr sz="4200" b="1" i="0">
-              <a:latin typeface="Times New Roman"/>
-            </a:endParaRPr>
           </a:p>
         </p:txBody>
       </p:sp>
@@ -3794,7 +3901,7 @@
 </file>
 
 <file path=ppt/slides/slide21.xml><?xml version="1.0" encoding="utf-8"?>
-<p:sld xmlns:a="http://schemas.openxmlformats.org/drawingml/2006/main" xmlns:p="http://schemas.openxmlformats.org/presentationml/2006/main" xmlns:r="http://schemas.openxmlformats.org/officeDocument/2006/relationships">
+<p:sld xmlns:a="http://schemas.openxmlformats.org/drawingml/2006/main" xmlns:r="http://schemas.openxmlformats.org/officeDocument/2006/relationships" xmlns:p="http://schemas.openxmlformats.org/presentationml/2006/main">
   <p:cSld>
     <p:spTree>
       <p:nvGrpSpPr>
@@ -3802,7 +3909,14 @@
         <p:cNvGrpSpPr/>
         <p:nvPr/>
       </p:nvGrpSpPr>
-      <p:grpSpPr/>
+      <p:grpSpPr>
+        <a:xfrm>
+          <a:off x="0" y="0"/>
+          <a:ext cx="0" cy="0"/>
+          <a:chOff x="0" y="0"/>
+          <a:chExt cx="0" cy="0"/>
+        </a:xfrm>
+      </p:grpSpPr>
       <p:sp>
         <p:nvSpPr>
           <p:cNvPr id="2" name="Title 1"/>
@@ -3892,7 +4006,7 @@
 </file>
 
 <file path=ppt/slides/slide22.xml><?xml version="1.0" encoding="utf-8"?>
-<p:sld xmlns:a="http://schemas.openxmlformats.org/drawingml/2006/main" xmlns:p="http://schemas.openxmlformats.org/presentationml/2006/main" xmlns:r="http://schemas.openxmlformats.org/officeDocument/2006/relationships">
+<p:sld xmlns:a="http://schemas.openxmlformats.org/drawingml/2006/main" xmlns:r="http://schemas.openxmlformats.org/officeDocument/2006/relationships" xmlns:p="http://schemas.openxmlformats.org/presentationml/2006/main">
   <p:cSld>
     <p:spTree>
       <p:nvGrpSpPr>
@@ -3900,7 +4014,14 @@
         <p:cNvGrpSpPr/>
         <p:nvPr/>
       </p:nvGrpSpPr>
-      <p:grpSpPr/>
+      <p:grpSpPr>
+        <a:xfrm>
+          <a:off x="0" y="0"/>
+          <a:ext cx="0" cy="0"/>
+          <a:chOff x="0" y="0"/>
+          <a:chExt cx="0" cy="0"/>
+        </a:xfrm>
+      </p:grpSpPr>
       <p:sp>
         <p:nvSpPr>
           <p:cNvPr id="2" name="Title 1"/>
@@ -3941,15 +4062,23 @@
               <a:t> Associate a knowledge base with your agent:</a:t>
             </a:r>
           </a:p>
-          <a:p/>
-          <a:p/>
-          <a:p/>
+          <a:p>
+            <a:endParaRPr/>
+          </a:p>
+          <a:p>
+            <a:endParaRPr/>
+          </a:p>
+          <a:p>
+            <a:endParaRPr/>
+          </a:p>
           <a:p>
             <a:r>
               <a:t> Prepare the agent for deployment:</a:t>
             </a:r>
           </a:p>
-          <a:p/>
+          <a:p>
+            <a:endParaRPr/>
+          </a:p>
         </p:txBody>
       </p:sp>
       <p:sp>
@@ -4001,8 +4130,8 @@
         </p:blipFill>
         <p:spPr>
           <a:xfrm>
-            <a:off x="0" y="1353312"/>
-            <a:ext cx="11531600" cy="1854200"/>
+            <a:off x="19050" y="2128450"/>
+            <a:ext cx="9372600" cy="1507048"/>
           </a:xfrm>
           <a:prstGeom prst="rect">
             <a:avLst/>
@@ -4025,7 +4154,7 @@
         </p:blipFill>
         <p:spPr>
           <a:xfrm>
-            <a:off x="0" y="3108960"/>
+            <a:off x="19050" y="4644108"/>
             <a:ext cx="8636000" cy="520700"/>
           </a:xfrm>
           <a:prstGeom prst="rect">
@@ -4042,7 +4171,7 @@
 </file>
 
 <file path=ppt/slides/slide23.xml><?xml version="1.0" encoding="utf-8"?>
-<p:sld xmlns:a="http://schemas.openxmlformats.org/drawingml/2006/main" xmlns:p="http://schemas.openxmlformats.org/presentationml/2006/main" xmlns:r="http://schemas.openxmlformats.org/officeDocument/2006/relationships">
+<p:sld xmlns:a="http://schemas.openxmlformats.org/drawingml/2006/main" xmlns:r="http://schemas.openxmlformats.org/officeDocument/2006/relationships" xmlns:p="http://schemas.openxmlformats.org/presentationml/2006/main">
   <p:cSld>
     <p:spTree>
       <p:nvGrpSpPr>
@@ -4050,7 +4179,14 @@
         <p:cNvGrpSpPr/>
         <p:nvPr/>
       </p:nvGrpSpPr>
-      <p:grpSpPr/>
+      <p:grpSpPr>
+        <a:xfrm>
+          <a:off x="0" y="0"/>
+          <a:ext cx="0" cy="0"/>
+          <a:chOff x="0" y="0"/>
+          <a:chExt cx="0" cy="0"/>
+        </a:xfrm>
+      </p:grpSpPr>
       <p:sp>
         <p:nvSpPr>
           <p:cNvPr id="2" name="Title 1"/>
@@ -4140,7 +4276,7 @@
 </file>
 
 <file path=ppt/slides/slide24.xml><?xml version="1.0" encoding="utf-8"?>
-<p:sld xmlns:a="http://schemas.openxmlformats.org/drawingml/2006/main" xmlns:p="http://schemas.openxmlformats.org/presentationml/2006/main" xmlns:r="http://schemas.openxmlformats.org/officeDocument/2006/relationships">
+<p:sld xmlns:a="http://schemas.openxmlformats.org/drawingml/2006/main" xmlns:r="http://schemas.openxmlformats.org/officeDocument/2006/relationships" xmlns:p="http://schemas.openxmlformats.org/presentationml/2006/main">
   <p:cSld>
     <p:spTree>
       <p:nvGrpSpPr>
@@ -4148,7 +4284,14 @@
         <p:cNvGrpSpPr/>
         <p:nvPr/>
       </p:nvGrpSpPr>
-      <p:grpSpPr/>
+      <p:grpSpPr>
+        <a:xfrm>
+          <a:off x="0" y="0"/>
+          <a:ext cx="0" cy="0"/>
+          <a:chOff x="0" y="0"/>
+          <a:chExt cx="0" cy="0"/>
+        </a:xfrm>
+      </p:grpSpPr>
       <p:sp>
         <p:nvSpPr>
           <p:cNvPr id="2" name="Title 1"/>
@@ -4238,7 +4381,7 @@
 </file>
 
 <file path=ppt/slides/slide3.xml><?xml version="1.0" encoding="utf-8"?>
-<p:sld xmlns:a="http://schemas.openxmlformats.org/drawingml/2006/main" xmlns:p="http://schemas.openxmlformats.org/presentationml/2006/main" xmlns:r="http://schemas.openxmlformats.org/officeDocument/2006/relationships">
+<p:sld xmlns:a="http://schemas.openxmlformats.org/drawingml/2006/main" xmlns:r="http://schemas.openxmlformats.org/officeDocument/2006/relationships" xmlns:p="http://schemas.openxmlformats.org/presentationml/2006/main">
   <p:cSld>
     <p:spTree>
       <p:nvGrpSpPr>
@@ -4246,7 +4389,14 @@
         <p:cNvGrpSpPr/>
         <p:nvPr/>
       </p:nvGrpSpPr>
-      <p:grpSpPr/>
+      <p:grpSpPr>
+        <a:xfrm>
+          <a:off x="0" y="0"/>
+          <a:ext cx="0" cy="0"/>
+          <a:chOff x="0" y="0"/>
+          <a:chExt cx="0" cy="0"/>
+        </a:xfrm>
+      </p:grpSpPr>
       <p:sp>
         <p:nvSpPr>
           <p:cNvPr id="2" name="Title 1"/>
@@ -4336,7 +4486,7 @@
 </file>
 
 <file path=ppt/slides/slide4.xml><?xml version="1.0" encoding="utf-8"?>
-<p:sld xmlns:a="http://schemas.openxmlformats.org/drawingml/2006/main" xmlns:p="http://schemas.openxmlformats.org/presentationml/2006/main" xmlns:r="http://schemas.openxmlformats.org/officeDocument/2006/relationships">
+<p:sld xmlns:a="http://schemas.openxmlformats.org/drawingml/2006/main" xmlns:r="http://schemas.openxmlformats.org/officeDocument/2006/relationships" xmlns:p="http://schemas.openxmlformats.org/presentationml/2006/main">
   <p:cSld>
     <p:spTree>
       <p:nvGrpSpPr>
@@ -4344,7 +4494,14 @@
         <p:cNvGrpSpPr/>
         <p:nvPr/>
       </p:nvGrpSpPr>
-      <p:grpSpPr/>
+      <p:grpSpPr>
+        <a:xfrm>
+          <a:off x="0" y="0"/>
+          <a:ext cx="0" cy="0"/>
+          <a:chOff x="0" y="0"/>
+          <a:chExt cx="0" cy="0"/>
+        </a:xfrm>
+      </p:grpSpPr>
       <p:sp>
         <p:nvSpPr>
           <p:cNvPr id="2" name="Title 1"/>
@@ -4382,21 +4539,50 @@
           <a:lstStyle/>
           <a:p>
             <a:r>
+              <a:rPr dirty="0"/>
               <a:t> Import required libraries:</a:t>
             </a:r>
-          </a:p>
-          <a:p/>
-          <a:p/>
-          <a:p>
-            <a:r>
+            <a:endParaRPr lang="en-US" dirty="0"/>
+          </a:p>
+          <a:p>
+            <a:endParaRPr lang="en-US" dirty="0"/>
+          </a:p>
+          <a:p>
+            <a:endParaRPr lang="en-US" dirty="0"/>
+          </a:p>
+          <a:p>
+            <a:endParaRPr lang="en-US" dirty="0"/>
+          </a:p>
+          <a:p>
+            <a:endParaRPr lang="en-US" dirty="0"/>
+          </a:p>
+          <a:p>
+            <a:endParaRPr lang="en-US" dirty="0"/>
+          </a:p>
+          <a:p>
+            <a:pPr marL="0" indent="0">
+              <a:buNone/>
+            </a:pPr>
+            <a:endParaRPr dirty="0"/>
+          </a:p>
+          <a:p>
+            <a:r>
+              <a:rPr dirty="0"/>
               <a:t> Create an agent:</a:t>
             </a:r>
           </a:p>
-          <a:p/>
-          <a:p/>
-          <a:p/>
-          <a:p>
-            <a:r>
+          <a:p>
+            <a:endParaRPr dirty="0"/>
+          </a:p>
+          <a:p>
+            <a:endParaRPr dirty="0"/>
+          </a:p>
+          <a:p>
+            <a:endParaRPr dirty="0"/>
+          </a:p>
+          <a:p>
+            <a:r>
+              <a:rPr dirty="0"/>
               <a:t> Prepare and configure the agent.</a:t>
             </a:r>
           </a:p>
@@ -4451,8 +4637,8 @@
         </p:blipFill>
         <p:spPr>
           <a:xfrm>
-            <a:off x="0" y="1353312"/>
-            <a:ext cx="10464800" cy="1587500"/>
+            <a:off x="0" y="2221221"/>
+            <a:ext cx="9372600" cy="1421814"/>
           </a:xfrm>
           <a:prstGeom prst="rect">
             <a:avLst/>
@@ -4475,7 +4661,7 @@
         </p:blipFill>
         <p:spPr>
           <a:xfrm>
-            <a:off x="0" y="2670048"/>
+            <a:off x="36512" y="4627046"/>
             <a:ext cx="8915400" cy="1223354"/>
           </a:xfrm>
           <a:prstGeom prst="rect">
@@ -4492,7 +4678,7 @@
 </file>
 
 <file path=ppt/slides/slide5.xml><?xml version="1.0" encoding="utf-8"?>
-<p:sld xmlns:a="http://schemas.openxmlformats.org/drawingml/2006/main" xmlns:p="http://schemas.openxmlformats.org/presentationml/2006/main" xmlns:r="http://schemas.openxmlformats.org/officeDocument/2006/relationships">
+<p:sld xmlns:a="http://schemas.openxmlformats.org/drawingml/2006/main" xmlns:r="http://schemas.openxmlformats.org/officeDocument/2006/relationships" xmlns:p="http://schemas.openxmlformats.org/presentationml/2006/main">
   <p:cSld>
     <p:spTree>
       <p:nvGrpSpPr>
@@ -4500,7 +4686,14 @@
         <p:cNvGrpSpPr/>
         <p:nvPr/>
       </p:nvGrpSpPr>
-      <p:grpSpPr/>
+      <p:grpSpPr>
+        <a:xfrm>
+          <a:off x="0" y="0"/>
+          <a:ext cx="0" cy="0"/>
+          <a:chOff x="0" y="0"/>
+          <a:chExt cx="0" cy="0"/>
+        </a:xfrm>
+      </p:grpSpPr>
       <p:sp>
         <p:nvSpPr>
           <p:cNvPr id="2" name="Title 1"/>
@@ -4622,7 +4815,7 @@
 </file>
 
 <file path=ppt/slides/slide6.xml><?xml version="1.0" encoding="utf-8"?>
-<p:sld xmlns:a="http://schemas.openxmlformats.org/drawingml/2006/main" xmlns:p="http://schemas.openxmlformats.org/presentationml/2006/main" xmlns:r="http://schemas.openxmlformats.org/officeDocument/2006/relationships">
+<p:sld xmlns:a="http://schemas.openxmlformats.org/drawingml/2006/main" xmlns:r="http://schemas.openxmlformats.org/officeDocument/2006/relationships" xmlns:p="http://schemas.openxmlformats.org/presentationml/2006/main">
   <p:cSld>
     <p:spTree>
       <p:nvGrpSpPr>
@@ -4630,7 +4823,14 @@
         <p:cNvGrpSpPr/>
         <p:nvPr/>
       </p:nvGrpSpPr>
-      <p:grpSpPr/>
+      <p:grpSpPr>
+        <a:xfrm>
+          <a:off x="0" y="0"/>
+          <a:ext cx="0" cy="0"/>
+          <a:chOff x="0" y="0"/>
+          <a:chExt cx="0" cy="0"/>
+        </a:xfrm>
+      </p:grpSpPr>
       <p:sp>
         <p:nvSpPr>
           <p:cNvPr id="2" name="Title 1"/>
@@ -4720,7 +4920,7 @@
 </file>
 
 <file path=ppt/slides/slide7.xml><?xml version="1.0" encoding="utf-8"?>
-<p:sld xmlns:a="http://schemas.openxmlformats.org/drawingml/2006/main" xmlns:p="http://schemas.openxmlformats.org/presentationml/2006/main" xmlns:r="http://schemas.openxmlformats.org/officeDocument/2006/relationships">
+<p:sld xmlns:a="http://schemas.openxmlformats.org/drawingml/2006/main" xmlns:r="http://schemas.openxmlformats.org/officeDocument/2006/relationships" xmlns:p="http://schemas.openxmlformats.org/presentationml/2006/main">
   <p:cSld>
     <p:spTree>
       <p:nvGrpSpPr>
@@ -4728,7 +4928,14 @@
         <p:cNvGrpSpPr/>
         <p:nvPr/>
       </p:nvGrpSpPr>
-      <p:grpSpPr/>
+      <p:grpSpPr>
+        <a:xfrm>
+          <a:off x="0" y="0"/>
+          <a:ext cx="0" cy="0"/>
+          <a:chOff x="0" y="0"/>
+          <a:chExt cx="0" cy="0"/>
+        </a:xfrm>
+      </p:grpSpPr>
       <p:sp>
         <p:nvSpPr>
           <p:cNvPr id="2" name="Subtitle 1"/>
@@ -4736,7 +4943,7 @@
             <a:spLocks noGrp="1"/>
           </p:cNvSpPr>
           <p:nvPr>
-            <p:ph type="subTitle" idx="1" sz="quarter"/>
+            <p:ph type="subTitle" sz="quarter" idx="1"/>
           </p:nvPr>
         </p:nvSpPr>
         <p:spPr/>
@@ -4758,14 +4965,8 @@
             </a:r>
             <a:r>
               <a:t>Adding Calculations
-</a:t>
-            </a:r>
-            <a:r>
-              <a:t>Guardrails for Your Agent
-</a:t>
-            </a:r>
-            <a:r>
-              <a:t>Using a Knowledge Base
+Guardrails for Your Agent
+Using a Knowledge Base
 </a:t>
             </a:r>
           </a:p>
@@ -4794,9 +4995,6 @@
               </a:rPr>
               <a:t>Connecting Your Agent to a CRM</a:t>
             </a:r>
-            <a:endParaRPr sz="4200" b="1" i="0">
-              <a:latin typeface="Times New Roman"/>
-            </a:endParaRPr>
           </a:p>
         </p:txBody>
       </p:sp>
@@ -4842,7 +5040,7 @@
 </file>
 
 <file path=ppt/slides/slide8.xml><?xml version="1.0" encoding="utf-8"?>
-<p:sld xmlns:a="http://schemas.openxmlformats.org/drawingml/2006/main" xmlns:p="http://schemas.openxmlformats.org/presentationml/2006/main" xmlns:r="http://schemas.openxmlformats.org/officeDocument/2006/relationships">
+<p:sld xmlns:a="http://schemas.openxmlformats.org/drawingml/2006/main" xmlns:r="http://schemas.openxmlformats.org/officeDocument/2006/relationships" xmlns:p="http://schemas.openxmlformats.org/presentationml/2006/main">
   <p:cSld>
     <p:spTree>
       <p:nvGrpSpPr>
@@ -4850,7 +5048,14 @@
         <p:cNvGrpSpPr/>
         <p:nvPr/>
       </p:nvGrpSpPr>
-      <p:grpSpPr/>
+      <p:grpSpPr>
+        <a:xfrm>
+          <a:off x="0" y="0"/>
+          <a:ext cx="0" cy="0"/>
+          <a:chOff x="0" y="0"/>
+          <a:chExt cx="0" cy="0"/>
+        </a:xfrm>
+      </p:grpSpPr>
       <p:sp>
         <p:nvSpPr>
           <p:cNvPr id="2" name="Title 1"/>
@@ -4940,7 +5145,7 @@
 </file>
 
 <file path=ppt/slides/slide9.xml><?xml version="1.0" encoding="utf-8"?>
-<p:sld xmlns:a="http://schemas.openxmlformats.org/drawingml/2006/main" xmlns:p="http://schemas.openxmlformats.org/presentationml/2006/main" xmlns:r="http://schemas.openxmlformats.org/officeDocument/2006/relationships">
+<p:sld xmlns:a="http://schemas.openxmlformats.org/drawingml/2006/main" xmlns:r="http://schemas.openxmlformats.org/officeDocument/2006/relationships" xmlns:p="http://schemas.openxmlformats.org/presentationml/2006/main">
   <p:cSld>
     <p:spTree>
       <p:nvGrpSpPr>
@@ -4948,7 +5153,14 @@
         <p:cNvGrpSpPr/>
         <p:nvPr/>
       </p:nvGrpSpPr>
-      <p:grpSpPr/>
+      <p:grpSpPr>
+        <a:xfrm>
+          <a:off x="0" y="0"/>
+          <a:ext cx="0" cy="0"/>
+          <a:chOff x="0" y="0"/>
+          <a:chExt cx="0" cy="0"/>
+        </a:xfrm>
+      </p:grpSpPr>
       <p:sp>
         <p:nvSpPr>
           <p:cNvPr id="2" name="Title 1"/>
@@ -4989,15 +5201,33 @@
               <a:t> Define action groups:</a:t>
             </a:r>
           </a:p>
-          <a:p/>
-          <a:p/>
-          <a:p/>
-          <a:p/>
-          <a:p/>
-          <a:p/>
-          <a:p/>
-          <a:p/>
-          <a:p/>
+          <a:p>
+            <a:endParaRPr/>
+          </a:p>
+          <a:p>
+            <a:endParaRPr/>
+          </a:p>
+          <a:p>
+            <a:endParaRPr/>
+          </a:p>
+          <a:p>
+            <a:endParaRPr/>
+          </a:p>
+          <a:p>
+            <a:endParaRPr/>
+          </a:p>
+          <a:p>
+            <a:endParaRPr/>
+          </a:p>
+          <a:p>
+            <a:endParaRPr/>
+          </a:p>
+          <a:p>
+            <a:endParaRPr/>
+          </a:p>
+          <a:p>
+            <a:endParaRPr/>
+          </a:p>
         </p:txBody>
       </p:sp>
       <p:sp>
@@ -5049,8 +5279,8 @@
         </p:blipFill>
         <p:spPr>
           <a:xfrm>
-            <a:off x="0" y="1353312"/>
-            <a:ext cx="8915400" cy="4558658"/>
+            <a:off x="-28576" y="2129872"/>
+            <a:ext cx="9286875" cy="4748602"/>
           </a:xfrm>
           <a:prstGeom prst="rect">
             <a:avLst/>
